--- a/poster.pptx
+++ b/poster.pptx
@@ -243,7 +243,7 @@
           <a:p>
             <a:fld id="{9EE195EF-9DED-4691-9BB4-A1D9C2F0C422}" type="datetimeFigureOut">
               <a:rPr lang="en-GB" smtClean="0"/>
-              <a:t>25/01/2025</a:t>
+              <a:t>29/01/2025</a:t>
             </a:fld>
             <a:endParaRPr lang="en-GB"/>
           </a:p>
@@ -413,7 +413,7 @@
           <a:p>
             <a:fld id="{9EE195EF-9DED-4691-9BB4-A1D9C2F0C422}" type="datetimeFigureOut">
               <a:rPr lang="en-GB" smtClean="0"/>
-              <a:t>25/01/2025</a:t>
+              <a:t>29/01/2025</a:t>
             </a:fld>
             <a:endParaRPr lang="en-GB"/>
           </a:p>
@@ -593,7 +593,7 @@
           <a:p>
             <a:fld id="{9EE195EF-9DED-4691-9BB4-A1D9C2F0C422}" type="datetimeFigureOut">
               <a:rPr lang="en-GB" smtClean="0"/>
-              <a:t>25/01/2025</a:t>
+              <a:t>29/01/2025</a:t>
             </a:fld>
             <a:endParaRPr lang="en-GB"/>
           </a:p>
@@ -763,7 +763,7 @@
           <a:p>
             <a:fld id="{9EE195EF-9DED-4691-9BB4-A1D9C2F0C422}" type="datetimeFigureOut">
               <a:rPr lang="en-GB" smtClean="0"/>
-              <a:t>25/01/2025</a:t>
+              <a:t>29/01/2025</a:t>
             </a:fld>
             <a:endParaRPr lang="en-GB"/>
           </a:p>
@@ -1007,7 +1007,7 @@
           <a:p>
             <a:fld id="{9EE195EF-9DED-4691-9BB4-A1D9C2F0C422}" type="datetimeFigureOut">
               <a:rPr lang="en-GB" smtClean="0"/>
-              <a:t>25/01/2025</a:t>
+              <a:t>29/01/2025</a:t>
             </a:fld>
             <a:endParaRPr lang="en-GB"/>
           </a:p>
@@ -1239,7 +1239,7 @@
           <a:p>
             <a:fld id="{9EE195EF-9DED-4691-9BB4-A1D9C2F0C422}" type="datetimeFigureOut">
               <a:rPr lang="en-GB" smtClean="0"/>
-              <a:t>25/01/2025</a:t>
+              <a:t>29/01/2025</a:t>
             </a:fld>
             <a:endParaRPr lang="en-GB"/>
           </a:p>
@@ -1606,7 +1606,7 @@
           <a:p>
             <a:fld id="{9EE195EF-9DED-4691-9BB4-A1D9C2F0C422}" type="datetimeFigureOut">
               <a:rPr lang="en-GB" smtClean="0"/>
-              <a:t>25/01/2025</a:t>
+              <a:t>29/01/2025</a:t>
             </a:fld>
             <a:endParaRPr lang="en-GB"/>
           </a:p>
@@ -1724,7 +1724,7 @@
           <a:p>
             <a:fld id="{9EE195EF-9DED-4691-9BB4-A1D9C2F0C422}" type="datetimeFigureOut">
               <a:rPr lang="en-GB" smtClean="0"/>
-              <a:t>25/01/2025</a:t>
+              <a:t>29/01/2025</a:t>
             </a:fld>
             <a:endParaRPr lang="en-GB"/>
           </a:p>
@@ -1819,7 +1819,7 @@
           <a:p>
             <a:fld id="{9EE195EF-9DED-4691-9BB4-A1D9C2F0C422}" type="datetimeFigureOut">
               <a:rPr lang="en-GB" smtClean="0"/>
-              <a:t>25/01/2025</a:t>
+              <a:t>29/01/2025</a:t>
             </a:fld>
             <a:endParaRPr lang="en-GB"/>
           </a:p>
@@ -2096,7 +2096,7 @@
           <a:p>
             <a:fld id="{9EE195EF-9DED-4691-9BB4-A1D9C2F0C422}" type="datetimeFigureOut">
               <a:rPr lang="en-GB" smtClean="0"/>
-              <a:t>25/01/2025</a:t>
+              <a:t>29/01/2025</a:t>
             </a:fld>
             <a:endParaRPr lang="en-GB"/>
           </a:p>
@@ -2353,7 +2353,7 @@
           <a:p>
             <a:fld id="{9EE195EF-9DED-4691-9BB4-A1D9C2F0C422}" type="datetimeFigureOut">
               <a:rPr lang="en-GB" smtClean="0"/>
-              <a:t>25/01/2025</a:t>
+              <a:t>29/01/2025</a:t>
             </a:fld>
             <a:endParaRPr lang="en-GB"/>
           </a:p>
@@ -2566,7 +2566,7 @@
           <a:p>
             <a:fld id="{9EE195EF-9DED-4691-9BB4-A1D9C2F0C422}" type="datetimeFigureOut">
               <a:rPr lang="en-GB" smtClean="0"/>
-              <a:t>25/01/2025</a:t>
+              <a:t>29/01/2025</a:t>
             </a:fld>
             <a:endParaRPr lang="en-GB"/>
           </a:p>
@@ -3919,7 +3919,63 @@
                 </a:solidFill>
                 <a:effectLst/>
               </a:rPr>
-              <a:t>Tools like Figma for design, React.js for front-end, Node.js for back-end, and Trello for tracking will be used to ensure smooth execution.</a:t>
+              <a:t>Tools like Figma for design, React.js for front-end, Node.js for </a:t>
+            </a:r>
+            <a:r>
+              <a:rPr kumimoji="0" lang="en-US" altLang="en-US" sz="2200" b="0" i="0" u="none" strike="noStrike" cap="none" normalizeH="0" baseline="0">
+                <a:ln>
+                  <a:noFill/>
+                </a:ln>
+                <a:solidFill>
+                  <a:schemeClr val="tx1"/>
+                </a:solidFill>
+                <a:effectLst/>
+              </a:rPr>
+              <a:t>back-</a:t>
+            </a:r>
+            <a:r>
+              <a:rPr kumimoji="0" lang="en-US" altLang="en-US" sz="2200" b="0" i="0" u="none" strike="noStrike" cap="none" normalizeH="0" baseline="0" err="1">
+                <a:ln>
+                  <a:noFill/>
+                </a:ln>
+                <a:solidFill>
+                  <a:schemeClr val="tx1"/>
+                </a:solidFill>
+                <a:effectLst/>
+              </a:rPr>
+              <a:t>end</a:t>
+            </a:r>
+            <a:r>
+              <a:rPr kumimoji="0" lang="en-US" altLang="en-US" sz="2200" b="0" i="0" u="none" strike="noStrike" cap="none" normalizeH="0" baseline="0">
+                <a:ln>
+                  <a:noFill/>
+                </a:ln>
+                <a:solidFill>
+                  <a:schemeClr val="tx1"/>
+                </a:solidFill>
+                <a:effectLst/>
+              </a:rPr>
+              <a:t>, </a:t>
+            </a:r>
+            <a:r>
+              <a:rPr lang="en-US" altLang="en-US" sz="2200"/>
+              <a:t>MongoDB </a:t>
+            </a:r>
+            <a:r>
+              <a:rPr lang="en-US" altLang="en-US" sz="2200" dirty="0"/>
+              <a:t>for database</a:t>
+            </a:r>
+            <a:r>
+              <a:rPr kumimoji="0" lang="en-US" altLang="en-US" sz="2200" b="0" i="0" u="none" strike="noStrike" cap="none" normalizeH="0" baseline="0" dirty="0">
+                <a:ln>
+                  <a:noFill/>
+                </a:ln>
+                <a:solidFill>
+                  <a:schemeClr val="tx1"/>
+                </a:solidFill>
+                <a:effectLst/>
+              </a:rPr>
+              <a:t> and Trello for tracking will be used to ensure smooth execution.</a:t>
             </a:r>
           </a:p>
           <a:p>
